--- a/Lecture/2501Lesson05.pptx
+++ b/Lecture/2501Lesson05.pptx
@@ -212,7 +212,7 @@
           <a:p>
             <a:fld id="{8A944D03-84CA-47A5-BA56-7A83BAF17CB0}" type="datetimeFigureOut">
               <a:rPr lang="en-CA" smtClean="0"/>
-              <a:t>2022-05-11</a:t>
+              <a:t>2022-06-29</a:t>
             </a:fld>
             <a:endParaRPr lang="en-CA"/>
           </a:p>
@@ -629,7 +629,7 @@
           <a:p>
             <a:fld id="{3E1270FE-7182-4EE6-8767-DCE1551BF16B}" type="datetime1">
               <a:rPr lang="en-US" smtClean="0"/>
-              <a:t>5/11/2022</a:t>
+              <a:t>6/29/2022</a:t>
             </a:fld>
             <a:endParaRPr lang="en-US" dirty="0"/>
           </a:p>
@@ -834,7 +834,7 @@
           <a:p>
             <a:fld id="{8C5A7AB5-97C9-42BE-83F3-0A4D46B0B7D2}" type="datetime1">
               <a:rPr lang="en-US" smtClean="0"/>
-              <a:t>5/11/2022</a:t>
+              <a:t>6/29/2022</a:t>
             </a:fld>
             <a:endParaRPr lang="en-US" dirty="0"/>
           </a:p>
@@ -1048,7 +1048,7 @@
           <a:p>
             <a:fld id="{89715A25-27BF-4489-8EB1-8356C231C70B}" type="datetime1">
               <a:rPr lang="en-US" smtClean="0"/>
-              <a:t>5/11/2022</a:t>
+              <a:t>6/29/2022</a:t>
             </a:fld>
             <a:endParaRPr lang="en-US" dirty="0"/>
           </a:p>
@@ -1252,7 +1252,7 @@
           <a:p>
             <a:fld id="{AEA00B64-3FE9-4724-9939-78F72850C6B6}" type="datetime1">
               <a:rPr lang="en-US" smtClean="0"/>
-              <a:t>5/11/2022</a:t>
+              <a:t>6/29/2022</a:t>
             </a:fld>
             <a:endParaRPr lang="en-US" dirty="0"/>
           </a:p>
@@ -1533,7 +1533,7 @@
           <a:p>
             <a:fld id="{093E9419-F393-49A3-B22A-E3293E19A185}" type="datetime1">
               <a:rPr lang="en-US" smtClean="0"/>
-              <a:t>5/11/2022</a:t>
+              <a:t>6/29/2022</a:t>
             </a:fld>
             <a:endParaRPr lang="en-US" dirty="0"/>
           </a:p>
@@ -1806,7 +1806,7 @@
           <a:p>
             <a:fld id="{A14189B6-ABCD-462A-8569-4ADCA5371A68}" type="datetime1">
               <a:rPr lang="en-US" smtClean="0"/>
-              <a:t>5/11/2022</a:t>
+              <a:t>6/29/2022</a:t>
             </a:fld>
             <a:endParaRPr lang="en-US" dirty="0"/>
           </a:p>
@@ -2225,7 +2225,7 @@
           <a:p>
             <a:fld id="{39AB9BE5-C092-4DF3-8CA6-A305127396B6}" type="datetime1">
               <a:rPr lang="en-US" smtClean="0"/>
-              <a:t>5/11/2022</a:t>
+              <a:t>6/29/2022</a:t>
             </a:fld>
             <a:endParaRPr lang="en-US" dirty="0"/>
           </a:p>
@@ -2372,7 +2372,7 @@
           <a:p>
             <a:fld id="{8EDBEF29-4B56-457D-B471-2FFE1F73EE4E}" type="datetime1">
               <a:rPr lang="en-US" smtClean="0"/>
-              <a:t>5/11/2022</a:t>
+              <a:t>6/29/2022</a:t>
             </a:fld>
             <a:endParaRPr lang="en-US" dirty="0"/>
           </a:p>
@@ -2489,7 +2489,7 @@
           <a:p>
             <a:fld id="{8CC51DB4-23D8-466A-BDE2-CCB14ED9C3D2}" type="datetime1">
               <a:rPr lang="en-US" smtClean="0"/>
-              <a:t>5/11/2022</a:t>
+              <a:t>6/29/2022</a:t>
             </a:fld>
             <a:endParaRPr lang="en-US" dirty="0"/>
           </a:p>
@@ -2806,7 +2806,7 @@
           <a:p>
             <a:fld id="{925563C9-1D6C-43DA-BBBC-0E0596B8C89C}" type="datetime1">
               <a:rPr lang="en-US" smtClean="0"/>
-              <a:t>5/11/2022</a:t>
+              <a:t>6/29/2022</a:t>
             </a:fld>
             <a:endParaRPr lang="en-US" dirty="0"/>
           </a:p>
@@ -3099,7 +3099,7 @@
           <a:p>
             <a:fld id="{366F7373-8D88-449C-937F-CB7E4CC0D178}" type="datetime1">
               <a:rPr lang="en-US" smtClean="0"/>
-              <a:t>5/11/2022</a:t>
+              <a:t>6/29/2022</a:t>
             </a:fld>
             <a:endParaRPr lang="en-US" dirty="0"/>
           </a:p>
@@ -3346,7 +3346,7 @@
           <a:p>
             <a:fld id="{B0A061D6-B012-4E29-A18A-FA6B1092BA70}" type="datetime1">
               <a:rPr lang="en-US" smtClean="0"/>
-              <a:t>5/11/2022</a:t>
+              <a:t>6/29/2022</a:t>
             </a:fld>
             <a:endParaRPr lang="en-US" dirty="0"/>
           </a:p>
@@ -5116,7 +5116,7 @@
         </p:spPr>
         <p:txBody>
           <a:bodyPr>
-            <a:normAutofit fontScale="47500" lnSpcReduction="20000"/>
+            <a:normAutofit fontScale="40000" lnSpcReduction="20000"/>
           </a:bodyPr>
           <a:lstStyle/>
           <a:p>
@@ -5219,8 +5219,8 @@
               <a:buNone/>
             </a:pPr>
             <a:r>
-              <a:rPr lang="en-US" sz="2200"/>
-              <a:t>public class Book</a:t>
+              <a:rPr lang="en-US" sz="2900"/>
+              <a:t>public class Book{</a:t>
             </a:r>
           </a:p>
           <a:p>
@@ -5234,8 +5234,8 @@
               <a:buNone/>
             </a:pPr>
             <a:r>
-              <a:rPr lang="en-US" sz="2200"/>
-              <a:t>{</a:t>
+              <a:rPr lang="en-US" sz="2900"/>
+              <a:t>    private final String title;</a:t>
             </a:r>
           </a:p>
           <a:p>
@@ -5249,8 +5249,8 @@
               <a:buNone/>
             </a:pPr>
             <a:r>
-              <a:rPr lang="en-US" sz="2200"/>
-              <a:t>    private final String title;</a:t>
+              <a:rPr lang="en-US" sz="2900"/>
+              <a:t>    private final int yearReleased;</a:t>
             </a:r>
           </a:p>
           <a:p>
@@ -5264,8 +5264,8 @@
               <a:buNone/>
             </a:pPr>
             <a:r>
-              <a:rPr lang="en-US" sz="2200"/>
-              <a:t>    private final int yearReleased;</a:t>
+              <a:rPr lang="en-US" sz="2900"/>
+              <a:t>    private double priceCad;</a:t>
             </a:r>
           </a:p>
           <a:p>
@@ -5278,10 +5278,7 @@
               </a:spcBef>
               <a:buNone/>
             </a:pPr>
-            <a:r>
-              <a:rPr lang="en-US" sz="2200"/>
-              <a:t>    private double priceCad;</a:t>
-            </a:r>
+            <a:endParaRPr lang="en-US" sz="2900"/>
           </a:p>
           <a:p>
             <a:pPr marL="0" lvl="0" indent="0">
@@ -5293,7 +5290,10 @@
               </a:spcBef>
               <a:buNone/>
             </a:pPr>
-            <a:endParaRPr lang="en-US" sz="2200"/>
+            <a:r>
+              <a:rPr lang="en-US" sz="2900"/>
+              <a:t>    public Book(final String title, final int yearReleased, final double priceCad)    {</a:t>
+            </a:r>
           </a:p>
           <a:p>
             <a:pPr marL="0" lvl="0" indent="0">
@@ -5306,8 +5306,8 @@
               <a:buNone/>
             </a:pPr>
             <a:r>
-              <a:rPr lang="en-US" sz="2200"/>
-              <a:t>    public Book(final String title, final int yearReleased, final double priceCad)</a:t>
+              <a:rPr lang="en-US" sz="2900"/>
+              <a:t>        this.title = title;</a:t>
             </a:r>
           </a:p>
           <a:p>
@@ -5321,8 +5321,8 @@
               <a:buNone/>
             </a:pPr>
             <a:r>
-              <a:rPr lang="en-US" sz="2200"/>
-              <a:t>    {</a:t>
+              <a:rPr lang="en-US" sz="2900"/>
+              <a:t>        this.yearReleased = yearReleased;</a:t>
             </a:r>
           </a:p>
           <a:p>
@@ -5336,8 +5336,20 @@
               <a:buNone/>
             </a:pPr>
             <a:r>
-              <a:rPr lang="en-US" sz="2200"/>
-              <a:t>        this.title = title;</a:t>
+              <a:rPr lang="en-US" sz="2900"/>
+              <a:t>        </a:t>
+            </a:r>
+            <a:r>
+              <a:rPr lang="en-US" sz="2900">
+                <a:highlight>
+                  <a:srgbClr val="FFFF00"/>
+                </a:highlight>
+              </a:rPr>
+              <a:t>if(priceCad &gt; 0.00)</a:t>
+            </a:r>
+            <a:r>
+              <a:rPr lang="en-US" sz="2900"/>
+              <a:t>        {</a:t>
             </a:r>
           </a:p>
           <a:p>
@@ -5351,8 +5363,8 @@
               <a:buNone/>
             </a:pPr>
             <a:r>
-              <a:rPr lang="en-US" sz="2200"/>
-              <a:t>        this.yearReleased = yearReleased;</a:t>
+              <a:rPr lang="en-US" sz="2900"/>
+              <a:t>            this.priceCad = priceCad;</a:t>
             </a:r>
           </a:p>
           <a:p>
@@ -5366,8 +5378,8 @@
               <a:buNone/>
             </a:pPr>
             <a:r>
-              <a:rPr lang="en-US" sz="2200"/>
-              <a:t>        this.priceCad = priceCad;</a:t>
+              <a:rPr lang="en-US" sz="2900"/>
+              <a:t>        }</a:t>
             </a:r>
           </a:p>
           <a:p>
@@ -5381,7 +5393,7 @@
               <a:buNone/>
             </a:pPr>
             <a:r>
-              <a:rPr lang="en-US" sz="2200"/>
+              <a:rPr lang="en-US" sz="2900"/>
               <a:t>    }</a:t>
             </a:r>
           </a:p>
@@ -5395,7 +5407,7 @@
               </a:spcBef>
               <a:buNone/>
             </a:pPr>
-            <a:endParaRPr lang="en-US" sz="2200"/>
+            <a:endParaRPr lang="en-US" sz="2900"/>
           </a:p>
           <a:p>
             <a:pPr marL="0" lvl="0" indent="0">
@@ -5408,8 +5420,8 @@
               <a:buNone/>
             </a:pPr>
             <a:r>
-              <a:rPr lang="en-US" sz="2200"/>
-              <a:t>    public String getTitle()</a:t>
+              <a:rPr lang="en-US" sz="2900"/>
+              <a:t>    public String getTitle()    {</a:t>
             </a:r>
           </a:p>
           <a:p>
@@ -5423,8 +5435,8 @@
               <a:buNone/>
             </a:pPr>
             <a:r>
-              <a:rPr lang="en-US" sz="2200"/>
-              <a:t>    {</a:t>
+              <a:rPr lang="en-US" sz="2900"/>
+              <a:t>        return title;</a:t>
             </a:r>
           </a:p>
           <a:p>
@@ -5438,8 +5450,8 @@
               <a:buNone/>
             </a:pPr>
             <a:r>
-              <a:rPr lang="en-US" sz="2200"/>
-              <a:t>        return title;</a:t>
+              <a:rPr lang="en-US" sz="2900"/>
+              <a:t>    }</a:t>
             </a:r>
           </a:p>
           <a:p>
@@ -5452,10 +5464,7 @@
               </a:spcBef>
               <a:buNone/>
             </a:pPr>
-            <a:r>
-              <a:rPr lang="en-US" sz="2200"/>
-              <a:t>    }</a:t>
-            </a:r>
+            <a:endParaRPr lang="en-US" sz="2900"/>
           </a:p>
           <a:p>
             <a:pPr marL="0" lvl="0" indent="0">
@@ -5467,7 +5476,10 @@
               </a:spcBef>
               <a:buNone/>
             </a:pPr>
-            <a:endParaRPr lang="en-US" sz="2200"/>
+            <a:r>
+              <a:rPr lang="en-US" sz="2900"/>
+              <a:t>    public int getYearReleased()    {</a:t>
+            </a:r>
           </a:p>
           <a:p>
             <a:pPr marL="0" lvl="0" indent="0">
@@ -5480,8 +5492,8 @@
               <a:buNone/>
             </a:pPr>
             <a:r>
-              <a:rPr lang="en-US" sz="2200"/>
-              <a:t>    public int getYearReleased()</a:t>
+              <a:rPr lang="en-US" sz="2900"/>
+              <a:t>        return yearReleased;</a:t>
             </a:r>
           </a:p>
           <a:p>
@@ -5495,8 +5507,8 @@
               <a:buNone/>
             </a:pPr>
             <a:r>
-              <a:rPr lang="en-US" sz="2200"/>
-              <a:t>    {</a:t>
+              <a:rPr lang="en-US" sz="2900"/>
+              <a:t>    }</a:t>
             </a:r>
           </a:p>
           <a:p>
@@ -5509,10 +5521,7 @@
               </a:spcBef>
               <a:buNone/>
             </a:pPr>
-            <a:r>
-              <a:rPr lang="en-US" sz="2200"/>
-              <a:t>        return yearReleased;</a:t>
-            </a:r>
+            <a:endParaRPr lang="en-US" sz="2900"/>
           </a:p>
           <a:p>
             <a:pPr marL="0" lvl="0" indent="0">
@@ -5525,8 +5534,8 @@
               <a:buNone/>
             </a:pPr>
             <a:r>
-              <a:rPr lang="en-US" sz="2200"/>
-              <a:t>    }</a:t>
+              <a:rPr lang="en-US" sz="2900"/>
+              <a:t>    public double getPriceCad()    {</a:t>
             </a:r>
           </a:p>
           <a:p>
@@ -5539,7 +5548,10 @@
               </a:spcBef>
               <a:buNone/>
             </a:pPr>
-            <a:endParaRPr lang="en-US" sz="2200"/>
+            <a:r>
+              <a:rPr lang="en-US" sz="2900"/>
+              <a:t>        return priceCad;</a:t>
+            </a:r>
           </a:p>
           <a:p>
             <a:pPr marL="0" lvl="0" indent="0">
@@ -5552,8 +5564,8 @@
               <a:buNone/>
             </a:pPr>
             <a:r>
-              <a:rPr lang="en-US" sz="2200"/>
-              <a:t>    public double getPriceCad()</a:t>
+              <a:rPr lang="en-US" sz="2900"/>
+              <a:t>    }</a:t>
             </a:r>
           </a:p>
           <a:p>
@@ -5566,10 +5578,7 @@
               </a:spcBef>
               <a:buNone/>
             </a:pPr>
-            <a:r>
-              <a:rPr lang="en-US" sz="2200"/>
-              <a:t>    {</a:t>
-            </a:r>
+            <a:endParaRPr lang="en-US" sz="2900"/>
           </a:p>
           <a:p>
             <a:pPr marL="0" lvl="0" indent="0">
@@ -5582,8 +5591,8 @@
               <a:buNone/>
             </a:pPr>
             <a:r>
-              <a:rPr lang="en-US" sz="2200"/>
-              <a:t>        return priceCad;</a:t>
+              <a:rPr lang="en-US" sz="2900"/>
+              <a:t>    public void setPriceCad(final double priceCad)    {</a:t>
             </a:r>
           </a:p>
           <a:p>
@@ -5597,8 +5606,20 @@
               <a:buNone/>
             </a:pPr>
             <a:r>
-              <a:rPr lang="en-US" sz="2200"/>
-              <a:t>    }</a:t>
+              <a:rPr lang="en-US" sz="2900"/>
+              <a:t>        </a:t>
+            </a:r>
+            <a:r>
+              <a:rPr lang="en-US" sz="2900">
+                <a:highlight>
+                  <a:srgbClr val="FFFF00"/>
+                </a:highlight>
+              </a:rPr>
+              <a:t>if(priceCad &gt; 0.00)</a:t>
+            </a:r>
+            <a:r>
+              <a:rPr lang="en-US" sz="2900"/>
+              <a:t>        {</a:t>
             </a:r>
           </a:p>
           <a:p>
@@ -5611,7 +5632,10 @@
               </a:spcBef>
               <a:buNone/>
             </a:pPr>
-            <a:endParaRPr lang="en-US" sz="2200"/>
+            <a:r>
+              <a:rPr lang="en-US" sz="2900"/>
+              <a:t>            this.priceCad = priceCad;</a:t>
+            </a:r>
           </a:p>
           <a:p>
             <a:pPr marL="0" lvl="0" indent="0">
@@ -5624,8 +5648,8 @@
               <a:buNone/>
             </a:pPr>
             <a:r>
-              <a:rPr lang="en-US" sz="2200"/>
-              <a:t>    public void setPriceCad(final double priceCad)</a:t>
+              <a:rPr lang="en-US" sz="2900"/>
+              <a:t>        }</a:t>
             </a:r>
           </a:p>
           <a:p>
@@ -5639,8 +5663,8 @@
               <a:buNone/>
             </a:pPr>
             <a:r>
-              <a:rPr lang="en-US" sz="2200"/>
-              <a:t>    {</a:t>
+              <a:rPr lang="en-US" sz="2900"/>
+              <a:t>    }</a:t>
             </a:r>
           </a:p>
           <a:p>
@@ -5654,90 +5678,7 @@
               <a:buNone/>
             </a:pPr>
             <a:r>
-              <a:rPr lang="en-US" sz="2200"/>
-              <a:t>        </a:t>
-            </a:r>
-            <a:r>
-              <a:rPr lang="en-US" sz="2200">
-                <a:highlight>
-                  <a:srgbClr val="FFFF00"/>
-                </a:highlight>
-              </a:rPr>
-              <a:t>if(priceCad &gt; 0.00)</a:t>
-            </a:r>
-          </a:p>
-          <a:p>
-            <a:pPr marL="0" lvl="0" indent="0">
-              <a:lnSpc>
-                <a:spcPct val="120000"/>
-              </a:lnSpc>
-              <a:spcBef>
-                <a:spcPts val="0"/>
-              </a:spcBef>
-              <a:buNone/>
-            </a:pPr>
-            <a:r>
-              <a:rPr lang="en-US" sz="2200"/>
-              <a:t>        {</a:t>
-            </a:r>
-          </a:p>
-          <a:p>
-            <a:pPr marL="0" lvl="0" indent="0">
-              <a:lnSpc>
-                <a:spcPct val="120000"/>
-              </a:lnSpc>
-              <a:spcBef>
-                <a:spcPts val="0"/>
-              </a:spcBef>
-              <a:buNone/>
-            </a:pPr>
-            <a:r>
-              <a:rPr lang="en-US" sz="2200"/>
-              <a:t>            this.priceCad = priceCad;</a:t>
-            </a:r>
-          </a:p>
-          <a:p>
-            <a:pPr marL="0" lvl="0" indent="0">
-              <a:lnSpc>
-                <a:spcPct val="120000"/>
-              </a:lnSpc>
-              <a:spcBef>
-                <a:spcPts val="0"/>
-              </a:spcBef>
-              <a:buNone/>
-            </a:pPr>
-            <a:r>
-              <a:rPr lang="en-US" sz="2200"/>
-              <a:t>        }</a:t>
-            </a:r>
-          </a:p>
-          <a:p>
-            <a:pPr marL="0" lvl="0" indent="0">
-              <a:lnSpc>
-                <a:spcPct val="120000"/>
-              </a:lnSpc>
-              <a:spcBef>
-                <a:spcPts val="0"/>
-              </a:spcBef>
-              <a:buNone/>
-            </a:pPr>
-            <a:r>
-              <a:rPr lang="en-US" sz="2200"/>
-              <a:t>    }</a:t>
-            </a:r>
-          </a:p>
-          <a:p>
-            <a:pPr marL="0" lvl="0" indent="0">
-              <a:lnSpc>
-                <a:spcPct val="120000"/>
-              </a:lnSpc>
-              <a:spcBef>
-                <a:spcPts val="0"/>
-              </a:spcBef>
-              <a:buNone/>
-            </a:pPr>
-            <a:r>
-              <a:rPr lang="en-US" sz="2200"/>
+              <a:rPr lang="en-US" sz="2900"/>
               <a:t>}</a:t>
             </a:r>
           </a:p>
